--- a/doc/HolaAppDesign.pptx
+++ b/doc/HolaAppDesign.pptx
@@ -7,8 +7,10 @@
   <p:sldIdLst>
     <p:sldId id="256" r:id="rId2"/>
     <p:sldId id="257" r:id="rId3"/>
-    <p:sldId id="259" r:id="rId4"/>
-    <p:sldId id="258" r:id="rId5"/>
+    <p:sldId id="261" r:id="rId4"/>
+    <p:sldId id="259" r:id="rId5"/>
+    <p:sldId id="260" r:id="rId6"/>
+    <p:sldId id="258" r:id="rId7"/>
   </p:sldIdLst>
   <p:sldSz cx="12801600" cy="9601200" type="A3"/>
   <p:notesSz cx="6858000" cy="9144000"/>
@@ -246,7 +248,7 @@
           <a:p>
             <a:fld id="{F30BA936-FA71-4AF1-AB00-EB5092280C9D}" type="datetimeFigureOut">
               <a:rPr lang="nl-BE" smtClean="0"/>
-              <a:t>6/02/2018</a:t>
+              <a:t>3/05/2018</a:t>
             </a:fld>
             <a:endParaRPr lang="nl-BE"/>
           </a:p>
@@ -416,7 +418,7 @@
           <a:p>
             <a:fld id="{F30BA936-FA71-4AF1-AB00-EB5092280C9D}" type="datetimeFigureOut">
               <a:rPr lang="nl-BE" smtClean="0"/>
-              <a:t>6/02/2018</a:t>
+              <a:t>3/05/2018</a:t>
             </a:fld>
             <a:endParaRPr lang="nl-BE"/>
           </a:p>
@@ -596,7 +598,7 @@
           <a:p>
             <a:fld id="{F30BA936-FA71-4AF1-AB00-EB5092280C9D}" type="datetimeFigureOut">
               <a:rPr lang="nl-BE" smtClean="0"/>
-              <a:t>6/02/2018</a:t>
+              <a:t>3/05/2018</a:t>
             </a:fld>
             <a:endParaRPr lang="nl-BE"/>
           </a:p>
@@ -766,7 +768,7 @@
           <a:p>
             <a:fld id="{F30BA936-FA71-4AF1-AB00-EB5092280C9D}" type="datetimeFigureOut">
               <a:rPr lang="nl-BE" smtClean="0"/>
-              <a:t>6/02/2018</a:t>
+              <a:t>3/05/2018</a:t>
             </a:fld>
             <a:endParaRPr lang="nl-BE"/>
           </a:p>
@@ -1010,7 +1012,7 @@
           <a:p>
             <a:fld id="{F30BA936-FA71-4AF1-AB00-EB5092280C9D}" type="datetimeFigureOut">
               <a:rPr lang="nl-BE" smtClean="0"/>
-              <a:t>6/02/2018</a:t>
+              <a:t>3/05/2018</a:t>
             </a:fld>
             <a:endParaRPr lang="nl-BE"/>
           </a:p>
@@ -1242,7 +1244,7 @@
           <a:p>
             <a:fld id="{F30BA936-FA71-4AF1-AB00-EB5092280C9D}" type="datetimeFigureOut">
               <a:rPr lang="nl-BE" smtClean="0"/>
-              <a:t>6/02/2018</a:t>
+              <a:t>3/05/2018</a:t>
             </a:fld>
             <a:endParaRPr lang="nl-BE"/>
           </a:p>
@@ -1609,7 +1611,7 @@
           <a:p>
             <a:fld id="{F30BA936-FA71-4AF1-AB00-EB5092280C9D}" type="datetimeFigureOut">
               <a:rPr lang="nl-BE" smtClean="0"/>
-              <a:t>6/02/2018</a:t>
+              <a:t>3/05/2018</a:t>
             </a:fld>
             <a:endParaRPr lang="nl-BE"/>
           </a:p>
@@ -1727,7 +1729,7 @@
           <a:p>
             <a:fld id="{F30BA936-FA71-4AF1-AB00-EB5092280C9D}" type="datetimeFigureOut">
               <a:rPr lang="nl-BE" smtClean="0"/>
-              <a:t>6/02/2018</a:t>
+              <a:t>3/05/2018</a:t>
             </a:fld>
             <a:endParaRPr lang="nl-BE"/>
           </a:p>
@@ -1822,7 +1824,7 @@
           <a:p>
             <a:fld id="{F30BA936-FA71-4AF1-AB00-EB5092280C9D}" type="datetimeFigureOut">
               <a:rPr lang="nl-BE" smtClean="0"/>
-              <a:t>6/02/2018</a:t>
+              <a:t>3/05/2018</a:t>
             </a:fld>
             <a:endParaRPr lang="nl-BE"/>
           </a:p>
@@ -2099,7 +2101,7 @@
           <a:p>
             <a:fld id="{F30BA936-FA71-4AF1-AB00-EB5092280C9D}" type="datetimeFigureOut">
               <a:rPr lang="nl-BE" smtClean="0"/>
-              <a:t>6/02/2018</a:t>
+              <a:t>3/05/2018</a:t>
             </a:fld>
             <a:endParaRPr lang="nl-BE"/>
           </a:p>
@@ -2356,7 +2358,7 @@
           <a:p>
             <a:fld id="{F30BA936-FA71-4AF1-AB00-EB5092280C9D}" type="datetimeFigureOut">
               <a:rPr lang="nl-BE" smtClean="0"/>
-              <a:t>6/02/2018</a:t>
+              <a:t>3/05/2018</a:t>
             </a:fld>
             <a:endParaRPr lang="nl-BE"/>
           </a:p>
@@ -2569,7 +2571,7 @@
           <a:p>
             <a:fld id="{F30BA936-FA71-4AF1-AB00-EB5092280C9D}" type="datetimeFigureOut">
               <a:rPr lang="nl-BE" smtClean="0"/>
-              <a:t>6/02/2018</a:t>
+              <a:t>3/05/2018</a:t>
             </a:fld>
             <a:endParaRPr lang="nl-BE"/>
           </a:p>
@@ -3039,8 +3041,8 @@
         </p:nvSpPr>
         <p:spPr>
           <a:xfrm>
-            <a:off x="1758005" y="4006341"/>
-            <a:ext cx="8448675" cy="4355606"/>
+            <a:off x="1758005" y="4006340"/>
+            <a:ext cx="8448675" cy="5185785"/>
           </a:xfrm>
           <a:prstGeom prst="rect">
             <a:avLst/>
@@ -3487,7 +3489,7 @@
         </p:nvSpPr>
         <p:spPr>
           <a:xfrm>
-            <a:off x="2580704" y="5510463"/>
+            <a:off x="2604035" y="5642359"/>
             <a:ext cx="2997814" cy="914400"/>
           </a:xfrm>
           <a:prstGeom prst="roundRect">
@@ -3536,7 +3538,7 @@
         </p:nvSpPr>
         <p:spPr>
           <a:xfrm>
-            <a:off x="2580703" y="6780376"/>
+            <a:off x="2580702" y="6897750"/>
             <a:ext cx="2927684" cy="914400"/>
           </a:xfrm>
           <a:prstGeom prst="roundRect">
@@ -3585,7 +3587,7 @@
         </p:nvSpPr>
         <p:spPr>
           <a:xfrm>
-            <a:off x="6732126" y="4378594"/>
+            <a:off x="7190328" y="4383153"/>
             <a:ext cx="2618074" cy="914400"/>
           </a:xfrm>
           <a:prstGeom prst="roundRect">
@@ -3634,7 +3636,7 @@
         </p:nvSpPr>
         <p:spPr>
           <a:xfrm>
-            <a:off x="6732126" y="5620191"/>
+            <a:off x="6970067" y="5581764"/>
             <a:ext cx="2618074" cy="914400"/>
           </a:xfrm>
           <a:prstGeom prst="roundRect">
@@ -3735,8 +3737,8 @@
         </p:nvCxnSpPr>
         <p:spPr>
           <a:xfrm rot="16200000" flipH="1">
-            <a:off x="3920727" y="5351578"/>
-            <a:ext cx="217469" cy="100299"/>
+            <a:off x="3866445" y="5405861"/>
+            <a:ext cx="349365" cy="123630"/>
           </a:xfrm>
           <a:prstGeom prst="curvedConnector3">
             <a:avLst/>
@@ -3809,12 +3811,12 @@
         </p:nvCxnSpPr>
         <p:spPr>
           <a:xfrm rot="10800000" flipH="1">
-            <a:off x="2580703" y="4835795"/>
-            <a:ext cx="35899" cy="1131869"/>
+            <a:off x="2604035" y="4835795"/>
+            <a:ext cx="12568" cy="1263765"/>
           </a:xfrm>
           <a:prstGeom prst="curvedConnector3">
             <a:avLst>
-              <a:gd name="adj1" fmla="val -636787"/>
+              <a:gd name="adj1" fmla="val -1818905"/>
             </a:avLst>
           </a:prstGeom>
           <a:ln>
@@ -3848,7 +3850,7 @@
         <p:spPr>
           <a:xfrm>
             <a:off x="5342020" y="4835794"/>
-            <a:ext cx="1390106" cy="12700"/>
+            <a:ext cx="1848308" cy="4559"/>
           </a:xfrm>
           <a:prstGeom prst="curvedConnector3">
             <a:avLst/>
@@ -3883,12 +3885,12 @@
         </p:nvCxnSpPr>
         <p:spPr>
           <a:xfrm rot="16200000" flipV="1">
-            <a:off x="6010238" y="2347668"/>
-            <a:ext cx="12700" cy="4061851"/>
+            <a:off x="6237060" y="2120847"/>
+            <a:ext cx="4559" cy="4520053"/>
           </a:xfrm>
           <a:prstGeom prst="curvedConnector3">
             <a:avLst>
-              <a:gd name="adj1" fmla="val 1800000"/>
+              <a:gd name="adj1" fmla="val 5114258"/>
             </a:avLst>
           </a:prstGeom>
           <a:ln>
@@ -3921,8 +3923,8 @@
         </p:nvCxnSpPr>
         <p:spPr>
           <a:xfrm rot="5400000">
-            <a:off x="3884322" y="6585086"/>
-            <a:ext cx="355513" cy="35066"/>
+            <a:off x="3903248" y="6698055"/>
+            <a:ext cx="340991" cy="58398"/>
           </a:xfrm>
           <a:prstGeom prst="curvedConnector3">
             <a:avLst/>
@@ -3956,9 +3958,9 @@
           <p:nvPr/>
         </p:nvCxnSpPr>
         <p:spPr>
-          <a:xfrm>
-            <a:off x="5508387" y="7237576"/>
-            <a:ext cx="1309035" cy="12700"/>
+          <a:xfrm flipV="1">
+            <a:off x="5508386" y="7237576"/>
+            <a:ext cx="1309036" cy="117374"/>
           </a:xfrm>
           <a:prstGeom prst="curvedConnector3">
             <a:avLst/>
@@ -3992,9 +3994,9 @@
           <p:nvPr/>
         </p:nvCxnSpPr>
         <p:spPr>
-          <a:xfrm rot="16200000" flipV="1">
-            <a:off x="8029416" y="6546339"/>
-            <a:ext cx="245785" cy="222290"/>
+          <a:xfrm rot="5400000" flipH="1" flipV="1">
+            <a:off x="8129172" y="6630445"/>
+            <a:ext cx="284212" cy="15651"/>
           </a:xfrm>
           <a:prstGeom prst="curvedConnector3">
             <a:avLst/>
@@ -4029,13 +4031,13 @@
         </p:nvCxnSpPr>
         <p:spPr>
           <a:xfrm rot="10800000">
-            <a:off x="3979312" y="4378595"/>
-            <a:ext cx="2752814" cy="1698797"/>
+            <a:off x="3979313" y="4378594"/>
+            <a:ext cx="2990755" cy="1660370"/>
           </a:xfrm>
           <a:prstGeom prst="curvedConnector4">
             <a:avLst>
-              <a:gd name="adj1" fmla="val 25249"/>
-              <a:gd name="adj2" fmla="val 113457"/>
+              <a:gd name="adj1" fmla="val 27218"/>
+              <a:gd name="adj2" fmla="val 113768"/>
             </a:avLst>
           </a:prstGeom>
           <a:ln>
@@ -4164,6 +4166,127 @@
           </a:p>
         </p:txBody>
       </p:sp>
+      <p:sp>
+        <p:nvSpPr>
+          <p:cNvPr id="2" name="Rectangle 1"/>
+          <p:cNvSpPr/>
+          <p:nvPr/>
+        </p:nvSpPr>
+        <p:spPr>
+          <a:xfrm>
+            <a:off x="5342020" y="8085221"/>
+            <a:ext cx="1475402" cy="914400"/>
+          </a:xfrm>
+          <a:prstGeom prst="rect">
+            <a:avLst/>
+          </a:prstGeom>
+          <a:solidFill>
+            <a:schemeClr val="accent2"/>
+          </a:solidFill>
+        </p:spPr>
+        <p:style>
+          <a:lnRef idx="2">
+            <a:schemeClr val="accent1">
+              <a:shade val="50000"/>
+            </a:schemeClr>
+          </a:lnRef>
+          <a:fillRef idx="1">
+            <a:schemeClr val="accent1"/>
+          </a:fillRef>
+          <a:effectRef idx="0">
+            <a:schemeClr val="accent1"/>
+          </a:effectRef>
+          <a:fontRef idx="minor">
+            <a:schemeClr val="lt1"/>
+          </a:fontRef>
+        </p:style>
+        <p:txBody>
+          <a:bodyPr rtlCol="0" anchor="ctr"/>
+          <a:lstStyle/>
+          <a:p>
+            <a:pPr algn="ctr"/>
+            <a:r>
+              <a:rPr lang="en-US" dirty="0" err="1" smtClean="0"/>
+              <a:t>HolaDeviceData</a:t>
+            </a:r>
+            <a:endParaRPr lang="nl-BE" dirty="0"/>
+          </a:p>
+        </p:txBody>
+      </p:sp>
+      <p:cxnSp>
+        <p:nvCxnSpPr>
+          <p:cNvPr id="10" name="Elbow Connector 9"/>
+          <p:cNvCxnSpPr>
+            <a:endCxn id="2" idx="0"/>
+          </p:cNvCxnSpPr>
+          <p:nvPr/>
+        </p:nvCxnSpPr>
+        <p:spPr>
+          <a:xfrm rot="16200000" flipH="1">
+            <a:off x="4086156" y="6091656"/>
+            <a:ext cx="3249428" cy="737701"/>
+          </a:xfrm>
+          <a:prstGeom prst="curvedConnector3">
+            <a:avLst>
+              <a:gd name="adj1" fmla="val 14825"/>
+            </a:avLst>
+          </a:prstGeom>
+          <a:ln>
+            <a:tailEnd type="triangle"/>
+          </a:ln>
+        </p:spPr>
+        <p:style>
+          <a:lnRef idx="3">
+            <a:schemeClr val="dk1"/>
+          </a:lnRef>
+          <a:fillRef idx="0">
+            <a:schemeClr val="dk1"/>
+          </a:fillRef>
+          <a:effectRef idx="2">
+            <a:schemeClr val="dk1"/>
+          </a:effectRef>
+          <a:fontRef idx="minor">
+            <a:schemeClr val="tx1"/>
+          </a:fontRef>
+        </p:style>
+      </p:cxnSp>
+      <p:cxnSp>
+        <p:nvCxnSpPr>
+          <p:cNvPr id="14" name="Elbow Connector 13"/>
+          <p:cNvCxnSpPr>
+            <a:endCxn id="2" idx="0"/>
+          </p:cNvCxnSpPr>
+          <p:nvPr/>
+        </p:nvCxnSpPr>
+        <p:spPr>
+          <a:xfrm rot="5400000">
+            <a:off x="5010313" y="5905203"/>
+            <a:ext cx="3249427" cy="1110609"/>
+          </a:xfrm>
+          <a:prstGeom prst="curvedConnector3">
+            <a:avLst>
+              <a:gd name="adj1" fmla="val 15195"/>
+            </a:avLst>
+          </a:prstGeom>
+          <a:ln>
+            <a:tailEnd type="triangle"/>
+          </a:ln>
+        </p:spPr>
+        <p:style>
+          <a:lnRef idx="3">
+            <a:schemeClr val="dk1"/>
+          </a:lnRef>
+          <a:fillRef idx="0">
+            <a:schemeClr val="dk1"/>
+          </a:fillRef>
+          <a:effectRef idx="2">
+            <a:schemeClr val="dk1"/>
+          </a:effectRef>
+          <a:fontRef idx="minor">
+            <a:schemeClr val="tx1"/>
+          </a:fontRef>
+        </p:style>
+      </p:cxnSp>
     </p:spTree>
     <p:extLst>
       <p:ext uri="{BB962C8B-B14F-4D97-AF65-F5344CB8AC3E}">
@@ -4211,6 +4334,152 @@
           <a:p>
             <a:r>
               <a:rPr lang="en-US" dirty="0" err="1" smtClean="0"/>
+              <a:t>OnlineDeviceActivity</a:t>
+            </a:r>
+            <a:r>
+              <a:rPr lang="en-US" dirty="0" smtClean="0"/>
+              <a:t> and </a:t>
+            </a:r>
+            <a:r>
+              <a:rPr lang="en-US" dirty="0" err="1" smtClean="0"/>
+              <a:t>DeviceDetailActivity</a:t>
+            </a:r>
+            <a:endParaRPr lang="nl-BE" dirty="0"/>
+          </a:p>
+        </p:txBody>
+      </p:sp>
+      <p:sp>
+        <p:nvSpPr>
+          <p:cNvPr id="3" name="Content Placeholder 2"/>
+          <p:cNvSpPr>
+            <a:spLocks noGrp="1"/>
+          </p:cNvSpPr>
+          <p:nvPr>
+            <p:ph idx="1"/>
+          </p:nvPr>
+        </p:nvSpPr>
+        <p:spPr/>
+        <p:txBody>
+          <a:bodyPr>
+            <a:normAutofit lnSpcReduction="10000"/>
+          </a:bodyPr>
+          <a:lstStyle/>
+          <a:p>
+            <a:pPr marL="0" indent="0">
+              <a:buNone/>
+            </a:pPr>
+            <a:r>
+              <a:rPr lang="en-US" dirty="0" smtClean="0"/>
+              <a:t>The bulk of the ‘</a:t>
+            </a:r>
+            <a:r>
+              <a:rPr lang="en-US" dirty="0" err="1" smtClean="0"/>
+              <a:t>Hola</a:t>
+            </a:r>
+            <a:r>
+              <a:rPr lang="en-US" dirty="0" smtClean="0"/>
+              <a:t>’ specific logic is concentrated in following two activities:</a:t>
+            </a:r>
+          </a:p>
+          <a:p>
+            <a:r>
+              <a:rPr lang="en-US" dirty="0" err="1" smtClean="0"/>
+              <a:t>OnlineDeviceActivity</a:t>
+            </a:r>
+            <a:r>
+              <a:rPr lang="en-US" dirty="0" smtClean="0"/>
+              <a:t> lists available devices and shows their online/offline status</a:t>
+            </a:r>
+          </a:p>
+          <a:p>
+            <a:r>
+              <a:rPr lang="en-US" dirty="0" err="1" smtClean="0"/>
+              <a:t>DeviceDetailActivity</a:t>
+            </a:r>
+            <a:r>
+              <a:rPr lang="en-US" dirty="0" smtClean="0"/>
+              <a:t>, as the name implies, shows device details: its buddies, </a:t>
+            </a:r>
+            <a:r>
+              <a:rPr lang="en-US" dirty="0" err="1" smtClean="0"/>
+              <a:t>batteryStatus</a:t>
+            </a:r>
+            <a:r>
+              <a:rPr lang="en-US" dirty="0" smtClean="0"/>
+              <a:t> etc.</a:t>
+            </a:r>
+          </a:p>
+          <a:p>
+            <a:pPr marL="0" indent="0">
+              <a:buNone/>
+            </a:pPr>
+            <a:endParaRPr lang="en-US" dirty="0" smtClean="0"/>
+          </a:p>
+          <a:p>
+            <a:pPr marL="0" indent="0">
+              <a:buNone/>
+            </a:pPr>
+            <a:r>
+              <a:rPr lang="en-US" dirty="0" smtClean="0"/>
+              <a:t>The other activities are either unmodified or with minor tweaks compared to the original spark-setup-android code base.</a:t>
+            </a:r>
+            <a:endParaRPr lang="en-US" dirty="0"/>
+          </a:p>
+          <a:p>
+            <a:pPr marL="0" indent="0">
+              <a:buNone/>
+            </a:pPr>
+            <a:endParaRPr lang="en-US" dirty="0" smtClean="0"/>
+          </a:p>
+        </p:txBody>
+      </p:sp>
+    </p:spTree>
+    <p:extLst>
+      <p:ext uri="{BB962C8B-B14F-4D97-AF65-F5344CB8AC3E}">
+        <p14:creationId xmlns:p14="http://schemas.microsoft.com/office/powerpoint/2010/main" val="3727700348"/>
+      </p:ext>
+    </p:extLst>
+  </p:cSld>
+  <p:clrMapOvr>
+    <a:masterClrMapping/>
+  </p:clrMapOvr>
+</p:sld>
+</file>
+
+<file path=ppt/slides/slide4.xml><?xml version="1.0" encoding="utf-8"?>
+<p:sld xmlns:a="http://schemas.openxmlformats.org/drawingml/2006/main" xmlns:r="http://schemas.openxmlformats.org/officeDocument/2006/relationships" xmlns:p="http://schemas.openxmlformats.org/presentationml/2006/main">
+  <p:cSld>
+    <p:spTree>
+      <p:nvGrpSpPr>
+        <p:cNvPr id="1" name=""/>
+        <p:cNvGrpSpPr/>
+        <p:nvPr/>
+      </p:nvGrpSpPr>
+      <p:grpSpPr>
+        <a:xfrm>
+          <a:off x="0" y="0"/>
+          <a:ext cx="0" cy="0"/>
+          <a:chOff x="0" y="0"/>
+          <a:chExt cx="0" cy="0"/>
+        </a:xfrm>
+      </p:grpSpPr>
+      <p:sp>
+        <p:nvSpPr>
+          <p:cNvPr id="2" name="Title 1"/>
+          <p:cNvSpPr>
+            <a:spLocks noGrp="1"/>
+          </p:cNvSpPr>
+          <p:nvPr>
+            <p:ph type="title"/>
+          </p:nvPr>
+        </p:nvSpPr>
+        <p:spPr/>
+        <p:txBody>
+          <a:bodyPr/>
+          <a:lstStyle/>
+          <a:p>
+            <a:r>
+              <a:rPr lang="en-US" dirty="0" err="1" smtClean="0"/>
               <a:t>HolaDeviceData</a:t>
             </a:r>
             <a:endParaRPr lang="nl-BE" dirty="0"/>
@@ -4245,8 +4514,41 @@
             </a:r>
             <a:r>
               <a:rPr lang="en-US" dirty="0" smtClean="0"/>
-              <a:t> handles all interaction with the device’s cloud API.</a:t>
-            </a:r>
+              <a:t> represents one intercom device. The class handles </a:t>
+            </a:r>
+            <a:r>
+              <a:rPr lang="en-US" dirty="0" smtClean="0"/>
+              <a:t>all interaction with the device’s cloud </a:t>
+            </a:r>
+            <a:r>
+              <a:rPr lang="en-US" dirty="0" smtClean="0"/>
+              <a:t>API and does the necessary AWS </a:t>
+            </a:r>
+            <a:r>
+              <a:rPr lang="en-US" dirty="0" err="1" smtClean="0"/>
+              <a:t>DynamoDB</a:t>
+            </a:r>
+            <a:r>
+              <a:rPr lang="en-US" dirty="0" smtClean="0"/>
+              <a:t> database lookups to map </a:t>
+            </a:r>
+            <a:r>
+              <a:rPr lang="en-US" dirty="0" err="1" smtClean="0"/>
+              <a:t>intercom_id</a:t>
+            </a:r>
+            <a:r>
+              <a:rPr lang="en-US" dirty="0" smtClean="0"/>
+              <a:t> to </a:t>
+            </a:r>
+            <a:r>
+              <a:rPr lang="en-US" dirty="0" err="1" smtClean="0"/>
+              <a:t>intercom_name</a:t>
+            </a:r>
+            <a:r>
+              <a:rPr lang="en-US" dirty="0" smtClean="0"/>
+              <a:t> or vice versa.</a:t>
+            </a:r>
+            <a:endParaRPr lang="en-US" dirty="0" smtClean="0"/>
           </a:p>
           <a:p>
             <a:pPr marL="0" indent="0">
@@ -4273,8 +4575,32 @@
               <a:t>DeviceDetailActivity</a:t>
             </a:r>
             <a:r>
-              <a:rPr lang="en-US" smtClean="0"/>
-              <a:t>.</a:t>
+              <a:rPr lang="en-US" dirty="0" smtClean="0"/>
+              <a:t>. </a:t>
+            </a:r>
+            <a:r>
+              <a:rPr lang="en-US" dirty="0" err="1" smtClean="0"/>
+              <a:t>OnlineDeviceActivity</a:t>
+            </a:r>
+            <a:r>
+              <a:rPr lang="en-US" dirty="0" smtClean="0"/>
+              <a:t> instantiates </a:t>
+            </a:r>
+            <a:r>
+              <a:rPr lang="en-US" dirty="0" err="1" smtClean="0"/>
+              <a:t>HolaDeviceData</a:t>
+            </a:r>
+            <a:r>
+              <a:rPr lang="en-US" dirty="0" smtClean="0"/>
+              <a:t> objects and passes them to the </a:t>
+            </a:r>
+            <a:r>
+              <a:rPr lang="en-US" dirty="0" err="1" smtClean="0"/>
+              <a:t>DeviceDetailActivity</a:t>
+            </a:r>
+            <a:r>
+              <a:rPr lang="en-US" dirty="0" smtClean="0"/>
+              <a:t> via an Intent.</a:t>
             </a:r>
             <a:endParaRPr lang="nl-BE" dirty="0"/>
           </a:p>
@@ -4293,7 +4619,138 @@
 </p:sld>
 </file>
 
-<file path=ppt/slides/slide4.xml><?xml version="1.0" encoding="utf-8"?>
+<file path=ppt/slides/slide5.xml><?xml version="1.0" encoding="utf-8"?>
+<p:sld xmlns:a="http://schemas.openxmlformats.org/drawingml/2006/main" xmlns:r="http://schemas.openxmlformats.org/officeDocument/2006/relationships" xmlns:p="http://schemas.openxmlformats.org/presentationml/2006/main">
+  <p:cSld>
+    <p:spTree>
+      <p:nvGrpSpPr>
+        <p:cNvPr id="1" name=""/>
+        <p:cNvGrpSpPr/>
+        <p:nvPr/>
+      </p:nvGrpSpPr>
+      <p:grpSpPr>
+        <a:xfrm>
+          <a:off x="0" y="0"/>
+          <a:ext cx="0" cy="0"/>
+          <a:chOff x="0" y="0"/>
+          <a:chExt cx="0" cy="0"/>
+        </a:xfrm>
+      </p:grpSpPr>
+      <p:sp>
+        <p:nvSpPr>
+          <p:cNvPr id="2" name="Title 1"/>
+          <p:cNvSpPr>
+            <a:spLocks noGrp="1"/>
+          </p:cNvSpPr>
+          <p:nvPr>
+            <p:ph type="title"/>
+          </p:nvPr>
+        </p:nvSpPr>
+        <p:spPr/>
+        <p:txBody>
+          <a:bodyPr/>
+          <a:lstStyle/>
+          <a:p>
+            <a:r>
+              <a:rPr lang="en-US" dirty="0" smtClean="0"/>
+              <a:t>AWS </a:t>
+            </a:r>
+            <a:r>
+              <a:rPr lang="en-US" dirty="0" err="1" smtClean="0"/>
+              <a:t>DynamoDB</a:t>
+            </a:r>
+            <a:r>
+              <a:rPr lang="en-US" dirty="0" smtClean="0"/>
+              <a:t> Access</a:t>
+            </a:r>
+            <a:endParaRPr lang="nl-BE" dirty="0"/>
+          </a:p>
+        </p:txBody>
+      </p:sp>
+      <p:sp>
+        <p:nvSpPr>
+          <p:cNvPr id="3" name="Content Placeholder 2"/>
+          <p:cNvSpPr>
+            <a:spLocks noGrp="1"/>
+          </p:cNvSpPr>
+          <p:nvPr>
+            <p:ph idx="1"/>
+          </p:nvPr>
+        </p:nvSpPr>
+        <p:spPr/>
+        <p:txBody>
+          <a:bodyPr/>
+          <a:lstStyle/>
+          <a:p>
+            <a:pPr marL="0" indent="0">
+              <a:buNone/>
+            </a:pPr>
+            <a:r>
+              <a:rPr lang="en-US" dirty="0" smtClean="0"/>
+              <a:t>Both </a:t>
+            </a:r>
+            <a:r>
+              <a:rPr lang="en-US" dirty="0" err="1" smtClean="0"/>
+              <a:t>OnlineDeviceActivity</a:t>
+            </a:r>
+            <a:r>
+              <a:rPr lang="en-US" dirty="0" smtClean="0"/>
+              <a:t> and </a:t>
+            </a:r>
+            <a:r>
+              <a:rPr lang="en-US" dirty="0" err="1" smtClean="0"/>
+              <a:t>DeviceDetailActivity</a:t>
+            </a:r>
+            <a:r>
+              <a:rPr lang="en-US" dirty="0" smtClean="0"/>
+              <a:t> initialize access to the </a:t>
+            </a:r>
+            <a:r>
+              <a:rPr lang="en-US" dirty="0" err="1" smtClean="0"/>
+              <a:t>DynamoDB</a:t>
+            </a:r>
+            <a:r>
+              <a:rPr lang="en-US" dirty="0" smtClean="0"/>
+              <a:t> </a:t>
+            </a:r>
+            <a:r>
+              <a:rPr lang="en-US" dirty="0" err="1" smtClean="0"/>
+              <a:t>intercom_table</a:t>
+            </a:r>
+            <a:r>
+              <a:rPr lang="en-US" dirty="0" smtClean="0"/>
+              <a:t> in their </a:t>
+            </a:r>
+            <a:r>
+              <a:rPr lang="en-US" dirty="0" err="1" smtClean="0"/>
+              <a:t>onCreate</a:t>
+            </a:r>
+            <a:r>
+              <a:rPr lang="en-US" dirty="0" smtClean="0"/>
+              <a:t>() method. The </a:t>
+            </a:r>
+            <a:r>
+              <a:rPr lang="nl-BE" dirty="0" smtClean="0"/>
+              <a:t>AmazonDynamoDBClient object is then passed in to the HolaDeviceDataObject so it can do its database lookups and queries as necessary.</a:t>
+            </a:r>
+            <a:endParaRPr lang="nl-BE" dirty="0"/>
+          </a:p>
+        </p:txBody>
+      </p:sp>
+    </p:spTree>
+    <p:extLst>
+      <p:ext uri="{BB962C8B-B14F-4D97-AF65-F5344CB8AC3E}">
+        <p14:creationId xmlns:p14="http://schemas.microsoft.com/office/powerpoint/2010/main" val="754786084"/>
+      </p:ext>
+    </p:extLst>
+  </p:cSld>
+  <p:clrMapOvr>
+    <a:masterClrMapping/>
+  </p:clrMapOvr>
+</p:sld>
+</file>
+
+<file path=ppt/slides/slide6.xml><?xml version="1.0" encoding="utf-8"?>
 <p:sld xmlns:a="http://schemas.openxmlformats.org/drawingml/2006/main" xmlns:r="http://schemas.openxmlformats.org/officeDocument/2006/relationships" xmlns:p="http://schemas.openxmlformats.org/presentationml/2006/main">
   <p:cSld>
     <p:spTree>
